--- a/项目计划书/G01小组项目计划PPT0.5.pptx
+++ b/项目计划书/G01小组项目计划PPT0.5.pptx
@@ -336,7 +336,7 @@
           <a:p>
             <a:fld id="{D2A48B96-639E-45A3-A0BA-2464DFDB1FAA}" type="datetimeFigureOut">
               <a:rPr lang="zh-CN" altLang="en-US" smtClean="0"/>
-              <a:t>2020/10/29</a:t>
+              <a:t>2020/10/30</a:t>
             </a:fld>
             <a:endParaRPr lang="zh-CN" altLang="en-US"/>
           </a:p>
@@ -1345,7 +1345,7 @@
           <a:p>
             <a:fld id="{760FBDFE-C587-4B4C-A407-44438C67B59E}" type="datetimeFigureOut">
               <a:rPr lang="zh-CN" altLang="en-US" smtClean="0"/>
-              <a:t>2020/10/29</a:t>
+              <a:t>2020/10/30</a:t>
             </a:fld>
             <a:endParaRPr lang="zh-CN" altLang="en-US"/>
           </a:p>
@@ -1569,7 +1569,7 @@
           <a:p>
             <a:fld id="{760FBDFE-C587-4B4C-A407-44438C67B59E}" type="datetimeFigureOut">
               <a:rPr lang="zh-CN" altLang="en-US" smtClean="0"/>
-              <a:t>2020/10/29</a:t>
+              <a:t>2020/10/30</a:t>
             </a:fld>
             <a:endParaRPr lang="zh-CN" altLang="en-US"/>
           </a:p>
@@ -2074,7 +2074,7 @@
           <a:p>
             <a:fld id="{760FBDFE-C587-4B4C-A407-44438C67B59E}" type="datetimeFigureOut">
               <a:rPr lang="zh-CN" altLang="en-US" smtClean="0"/>
-              <a:t>2020/10/29</a:t>
+              <a:t>2020/10/30</a:t>
             </a:fld>
             <a:endParaRPr lang="zh-CN" altLang="en-US"/>
           </a:p>
@@ -4096,7 +4096,7 @@
           <a:p>
             <a:fld id="{760FBDFE-C587-4B4C-A407-44438C67B59E}" type="datetimeFigureOut">
               <a:rPr lang="zh-CN" altLang="en-US" smtClean="0"/>
-              <a:t>2020/10/29</a:t>
+              <a:t>2020/10/30</a:t>
             </a:fld>
             <a:endParaRPr lang="zh-CN" altLang="en-US"/>
           </a:p>
@@ -4990,7 +4990,7 @@
           <a:p>
             <a:fld id="{DDC86826-C030-4ABB-BAB8-ECCBC086F54C}" type="datetimeFigureOut">
               <a:rPr lang="zh-CN" altLang="en-US" smtClean="0"/>
-              <a:t>2020/10/29</a:t>
+              <a:t>2020/10/30</a:t>
             </a:fld>
             <a:endParaRPr lang="zh-CN" altLang="en-US"/>
           </a:p>
@@ -5181,7 +5181,7 @@
           <a:p>
             <a:fld id="{DDC86826-C030-4ABB-BAB8-ECCBC086F54C}" type="datetimeFigureOut">
               <a:rPr lang="zh-CN" altLang="en-US" smtClean="0"/>
-              <a:t>2020/10/29</a:t>
+              <a:t>2020/10/30</a:t>
             </a:fld>
             <a:endParaRPr lang="zh-CN" altLang="en-US"/>
           </a:p>
@@ -5523,7 +5523,7 @@
           <a:p>
             <a:fld id="{DDC86826-C030-4ABB-BAB8-ECCBC086F54C}" type="datetimeFigureOut">
               <a:rPr lang="zh-CN" altLang="en-US" smtClean="0"/>
-              <a:t>2020/10/29</a:t>
+              <a:t>2020/10/30</a:t>
             </a:fld>
             <a:endParaRPr lang="zh-CN" altLang="en-US"/>
           </a:p>
@@ -5775,7 +5775,7 @@
           <a:p>
             <a:fld id="{DDC86826-C030-4ABB-BAB8-ECCBC086F54C}" type="datetimeFigureOut">
               <a:rPr lang="zh-CN" altLang="en-US" smtClean="0"/>
-              <a:t>2020/10/29</a:t>
+              <a:t>2020/10/30</a:t>
             </a:fld>
             <a:endParaRPr lang="zh-CN" altLang="en-US"/>
           </a:p>
@@ -6172,7 +6172,7 @@
           <a:p>
             <a:fld id="{DDC86826-C030-4ABB-BAB8-ECCBC086F54C}" type="datetimeFigureOut">
               <a:rPr lang="zh-CN" altLang="en-US" smtClean="0"/>
-              <a:t>2020/10/29</a:t>
+              <a:t>2020/10/30</a:t>
             </a:fld>
             <a:endParaRPr lang="zh-CN" altLang="en-US"/>
           </a:p>
@@ -6274,7 +6274,7 @@
           <a:p>
             <a:fld id="{DDC86826-C030-4ABB-BAB8-ECCBC086F54C}" type="datetimeFigureOut">
               <a:rPr lang="zh-CN" altLang="en-US" smtClean="0"/>
-              <a:t>2020/10/29</a:t>
+              <a:t>2020/10/30</a:t>
             </a:fld>
             <a:endParaRPr lang="zh-CN" altLang="en-US"/>
           </a:p>
@@ -6401,7 +6401,7 @@
           <a:p>
             <a:fld id="{DDC86826-C030-4ABB-BAB8-ECCBC086F54C}" type="datetimeFigureOut">
               <a:rPr lang="zh-CN" altLang="en-US" smtClean="0"/>
-              <a:t>2020/10/29</a:t>
+              <a:t>2020/10/30</a:t>
             </a:fld>
             <a:endParaRPr lang="zh-CN" altLang="en-US"/>
           </a:p>
@@ -6815,7 +6815,7 @@
           <a:p>
             <a:fld id="{760FBDFE-C587-4B4C-A407-44438C67B59E}" type="datetimeFigureOut">
               <a:rPr lang="zh-CN" altLang="en-US" smtClean="0"/>
-              <a:t>2020/10/29</a:t>
+              <a:t>2020/10/30</a:t>
             </a:fld>
             <a:endParaRPr lang="zh-CN" altLang="en-US"/>
           </a:p>
@@ -7087,7 +7087,7 @@
           <a:p>
             <a:fld id="{9EFD9D74-47D9-4702-A33C-335B63B48DBF}" type="datetimeFigureOut">
               <a:rPr lang="zh-CN" altLang="en-US" smtClean="0"/>
-              <a:t>2020/10/29</a:t>
+              <a:t>2020/10/30</a:t>
             </a:fld>
             <a:endParaRPr lang="zh-CN" altLang="en-US" dirty="0"/>
           </a:p>
@@ -7284,7 +7284,7 @@
           <a:p>
             <a:fld id="{DDC86826-C030-4ABB-BAB8-ECCBC086F54C}" type="datetimeFigureOut">
               <a:rPr lang="zh-CN" altLang="en-US" smtClean="0"/>
-              <a:t>2020/10/29</a:t>
+              <a:t>2020/10/30</a:t>
             </a:fld>
             <a:endParaRPr lang="zh-CN" altLang="en-US"/>
           </a:p>
@@ -7386,7 +7386,7 @@
           <a:p>
             <a:fld id="{760FBDFE-C587-4B4C-A407-44438C67B59E}" type="datetimeFigureOut">
               <a:rPr lang="zh-CN" altLang="en-US" smtClean="0"/>
-              <a:t>2020/10/29</a:t>
+              <a:t>2020/10/30</a:t>
             </a:fld>
             <a:endParaRPr lang="zh-CN" altLang="en-US"/>
           </a:p>
@@ -7690,7 +7690,7 @@
           <a:p>
             <a:fld id="{DDC86826-C030-4ABB-BAB8-ECCBC086F54C}" type="datetimeFigureOut">
               <a:rPr lang="zh-CN" altLang="en-US" smtClean="0"/>
-              <a:t>2020/10/29</a:t>
+              <a:t>2020/10/30</a:t>
             </a:fld>
             <a:endParaRPr lang="zh-CN" altLang="en-US"/>
           </a:p>
@@ -8168,7 +8168,7 @@
           <a:p>
             <a:fld id="{760FBDFE-C587-4B4C-A407-44438C67B59E}" type="datetimeFigureOut">
               <a:rPr lang="zh-CN" altLang="en-US" smtClean="0"/>
-              <a:t>2020/10/29</a:t>
+              <a:t>2020/10/30</a:t>
             </a:fld>
             <a:endParaRPr lang="zh-CN" altLang="en-US"/>
           </a:p>
@@ -8876,7 +8876,7 @@
           <a:p>
             <a:fld id="{760FBDFE-C587-4B4C-A407-44438C67B59E}" type="datetimeFigureOut">
               <a:rPr lang="zh-CN" altLang="en-US" smtClean="0"/>
-              <a:t>2020/10/29</a:t>
+              <a:t>2020/10/30</a:t>
             </a:fld>
             <a:endParaRPr lang="zh-CN" altLang="en-US"/>
           </a:p>
@@ -9025,7 +9025,7 @@
           <a:p>
             <a:fld id="{760FBDFE-C587-4B4C-A407-44438C67B59E}" type="datetimeFigureOut">
               <a:rPr lang="zh-CN" altLang="en-US" smtClean="0"/>
-              <a:t>2020/10/29</a:t>
+              <a:t>2020/10/30</a:t>
             </a:fld>
             <a:endParaRPr lang="zh-CN" altLang="en-US"/>
           </a:p>
@@ -9127,7 +9127,7 @@
           <a:p>
             <a:fld id="{760FBDFE-C587-4B4C-A407-44438C67B59E}" type="datetimeFigureOut">
               <a:rPr lang="zh-CN" altLang="en-US" smtClean="0"/>
-              <a:t>2020/10/29</a:t>
+              <a:t>2020/10/30</a:t>
             </a:fld>
             <a:endParaRPr lang="zh-CN" altLang="en-US"/>
           </a:p>
@@ -9491,7 +9491,7 @@
           <a:p>
             <a:fld id="{9EFD9D74-47D9-4702-A33C-335B63B48DBF}" type="datetimeFigureOut">
               <a:rPr lang="zh-CN" altLang="en-US" smtClean="0"/>
-              <a:t>2020/10/29</a:t>
+              <a:t>2020/10/30</a:t>
             </a:fld>
             <a:endParaRPr lang="zh-CN" altLang="en-US" dirty="0"/>
           </a:p>
@@ -9738,7 +9738,7 @@
           <a:p>
             <a:fld id="{760FBDFE-C587-4B4C-A407-44438C67B59E}" type="datetimeFigureOut">
               <a:rPr lang="zh-CN" altLang="en-US" smtClean="0"/>
-              <a:t>2020/10/29</a:t>
+              <a:t>2020/10/30</a:t>
             </a:fld>
             <a:endParaRPr lang="zh-CN" altLang="en-US"/>
           </a:p>
@@ -9971,7 +9971,7 @@
           <a:p>
             <a:fld id="{760FBDFE-C587-4B4C-A407-44438C67B59E}" type="datetimeFigureOut">
               <a:rPr lang="zh-CN" altLang="en-US" smtClean="0"/>
-              <a:t>2020/10/29</a:t>
+              <a:t>2020/10/30</a:t>
             </a:fld>
             <a:endParaRPr lang="zh-CN" altLang="en-US"/>
           </a:p>
@@ -11276,7 +11276,7 @@
           <a:p>
             <a:fld id="{DDC86826-C030-4ABB-BAB8-ECCBC086F54C}" type="datetimeFigureOut">
               <a:rPr lang="zh-CN" altLang="en-US" smtClean="0"/>
-              <a:t>2020/10/29</a:t>
+              <a:t>2020/10/30</a:t>
             </a:fld>
             <a:endParaRPr lang="zh-CN" altLang="en-US"/>
           </a:p>
@@ -14919,13 +14919,7 @@
               <a:rPr lang="zh-CN" altLang="en-US" sz="2000" b="1" dirty="0" smtClean="0">
                 <a:latin typeface="+mn-ea"/>
               </a:rPr>
-              <a:t>择的</a:t>
-            </a:r>
-            <a:r>
-              <a:rPr lang="zh-CN" altLang="en-US" sz="2000" b="1" dirty="0" smtClean="0">
-                <a:latin typeface="+mn-ea"/>
-              </a:rPr>
-              <a:t>方案</a:t>
+              <a:t>择的方案</a:t>
             </a:r>
             <a:r>
               <a:rPr lang="en-US" altLang="zh-CN" sz="2000" b="1" dirty="0" smtClean="0">
@@ -15346,13 +15340,7 @@
               <a:rPr lang="zh-CN" altLang="en-US" sz="2000" b="1" dirty="0" smtClean="0">
                 <a:latin typeface="+mn-ea"/>
               </a:rPr>
-              <a:t>择的</a:t>
-            </a:r>
-            <a:r>
-              <a:rPr lang="zh-CN" altLang="en-US" sz="2000" b="1" dirty="0" smtClean="0">
-                <a:latin typeface="+mn-ea"/>
-              </a:rPr>
-              <a:t>方案</a:t>
+              <a:t>择的方案</a:t>
             </a:r>
             <a:r>
               <a:rPr lang="en-US" altLang="zh-CN" sz="2000" b="1" dirty="0" smtClean="0">
@@ -15369,6 +15357,195 @@
             <a:endParaRPr lang="zh-CN" altLang="en-US" sz="1100" dirty="0">
               <a:uFillTx/>
             </a:endParaRPr>
+          </a:p>
+        </p:txBody>
+      </p:sp>
+      <p:sp>
+        <p:nvSpPr>
+          <p:cNvPr id="8" name="文本框 7"/>
+          <p:cNvSpPr txBox="1"/>
+          <p:nvPr>
+            <p:custDataLst>
+              <p:tags r:id="rId7"/>
+            </p:custDataLst>
+          </p:nvPr>
+        </p:nvSpPr>
+        <p:spPr>
+          <a:xfrm>
+            <a:off x="605547" y="4215069"/>
+            <a:ext cx="7710867" cy="2066321"/>
+          </a:xfrm>
+          <a:prstGeom prst="rect">
+            <a:avLst/>
+          </a:prstGeom>
+          <a:noFill/>
+        </p:spPr>
+        <p:txBody>
+          <a:bodyPr vert="horz" lIns="67500" tIns="35100" rIns="67500" bIns="35100" rtlCol="0" anchor="ctr">
+            <a:noAutofit/>
+          </a:bodyPr>
+          <a:lstStyle>
+            <a:lvl1pPr marL="285750" indent="-285750" fontAlgn="auto">
+              <a:lnSpc>
+                <a:spcPct val="130000"/>
+              </a:lnSpc>
+              <a:spcBef>
+                <a:spcPts val="0"/>
+              </a:spcBef>
+              <a:spcAft>
+                <a:spcPts val="800"/>
+              </a:spcAft>
+              <a:buFont typeface="微软雅黑" panose="020B0503020204020204" charset="-122"/>
+              <a:buAutoNum type="ea1JpnChsDbPeriod"/>
+              <a:defRPr sz="1050" u="none" strike="noStrike" cap="none" spc="150" normalizeH="0" baseline="0">
+                <a:solidFill>
+                  <a:sysClr val="windowText" lastClr="000000">
+                    <a:lumMod val="95000"/>
+                    <a:lumOff val="5000"/>
+                  </a:sysClr>
+                </a:solidFill>
+                <a:uFillTx/>
+                <a:latin typeface="微软雅黑" panose="020B0503020204020204" charset="-122"/>
+                <a:ea typeface="微软雅黑" panose="020B0503020204020204" charset="-122"/>
+              </a:defRPr>
+            </a:lvl1pPr>
+            <a:lvl2pPr marL="685800" indent="-228600" fontAlgn="auto">
+              <a:lnSpc>
+                <a:spcPct val="130000"/>
+              </a:lnSpc>
+              <a:spcBef>
+                <a:spcPts val="0"/>
+              </a:spcBef>
+              <a:spcAft>
+                <a:spcPts val="1000"/>
+              </a:spcAft>
+              <a:buFont typeface="Arial" panose="020B0604020202020204" pitchFamily="34" charset="0"/>
+              <a:buChar char="•"/>
+              <a:tabLst>
+                <a:tab pos="1609725" algn="l"/>
+              </a:tabLst>
+              <a:defRPr sz="1600" u="none" strike="noStrike" cap="none" spc="150" normalizeH="0" baseline="0">
+                <a:uFillTx/>
+                <a:latin typeface="Arial" panose="020B0604020202020204" pitchFamily="34" charset="0"/>
+                <a:ea typeface="微软雅黑" panose="020B0503020204020204" charset="-122"/>
+              </a:defRPr>
+            </a:lvl2pPr>
+            <a:lvl3pPr marL="1143000" indent="-228600" fontAlgn="auto">
+              <a:lnSpc>
+                <a:spcPct val="130000"/>
+              </a:lnSpc>
+              <a:spcBef>
+                <a:spcPts val="0"/>
+              </a:spcBef>
+              <a:spcAft>
+                <a:spcPts val="1000"/>
+              </a:spcAft>
+              <a:buFont typeface="Arial" panose="020B0604020202020204" pitchFamily="34" charset="0"/>
+              <a:buChar char="•"/>
+              <a:defRPr sz="1600" u="none" strike="noStrike" cap="none" spc="150" normalizeH="0" baseline="0">
+                <a:uFillTx/>
+                <a:latin typeface="Arial" panose="020B0604020202020204" pitchFamily="34" charset="0"/>
+                <a:ea typeface="微软雅黑" panose="020B0503020204020204" charset="-122"/>
+              </a:defRPr>
+            </a:lvl3pPr>
+            <a:lvl4pPr marL="1600200" indent="-228600" fontAlgn="auto">
+              <a:lnSpc>
+                <a:spcPct val="130000"/>
+              </a:lnSpc>
+              <a:spcBef>
+                <a:spcPts val="0"/>
+              </a:spcBef>
+              <a:spcAft>
+                <a:spcPts val="1000"/>
+              </a:spcAft>
+              <a:buFont typeface="Arial" panose="020B0604020202020204" pitchFamily="34" charset="0"/>
+              <a:buChar char="•"/>
+              <a:defRPr sz="1600" u="none" strike="noStrike" cap="none" spc="150" normalizeH="0" baseline="0">
+                <a:uFillTx/>
+                <a:latin typeface="Arial" panose="020B0604020202020204" pitchFamily="34" charset="0"/>
+                <a:ea typeface="微软雅黑" panose="020B0503020204020204" charset="-122"/>
+              </a:defRPr>
+            </a:lvl4pPr>
+            <a:lvl5pPr marL="2057400" indent="-228600" fontAlgn="auto">
+              <a:lnSpc>
+                <a:spcPct val="130000"/>
+              </a:lnSpc>
+              <a:spcBef>
+                <a:spcPts val="0"/>
+              </a:spcBef>
+              <a:spcAft>
+                <a:spcPts val="1000"/>
+              </a:spcAft>
+              <a:buFont typeface="Arial" panose="020B0604020202020204" pitchFamily="34" charset="0"/>
+              <a:buChar char="•"/>
+              <a:defRPr sz="1600" u="none" strike="noStrike" cap="none" spc="150" normalizeH="0" baseline="0">
+                <a:uFillTx/>
+                <a:latin typeface="Arial" panose="020B0604020202020204" pitchFamily="34" charset="0"/>
+                <a:ea typeface="微软雅黑" panose="020B0503020204020204" charset="-122"/>
+              </a:defRPr>
+            </a:lvl5pPr>
+            <a:lvl6pPr marL="2514600" indent="-228600">
+              <a:lnSpc>
+                <a:spcPct val="90000"/>
+              </a:lnSpc>
+              <a:spcBef>
+                <a:spcPts val="500"/>
+              </a:spcBef>
+              <a:buFont typeface="Arial" panose="020B0604020202020204" pitchFamily="34" charset="0"/>
+              <a:buChar char="•"/>
+            </a:lvl6pPr>
+            <a:lvl7pPr marL="2971800" indent="-228600">
+              <a:lnSpc>
+                <a:spcPct val="90000"/>
+              </a:lnSpc>
+              <a:spcBef>
+                <a:spcPts val="500"/>
+              </a:spcBef>
+              <a:buFont typeface="Arial" panose="020B0604020202020204" pitchFamily="34" charset="0"/>
+              <a:buChar char="•"/>
+            </a:lvl7pPr>
+            <a:lvl8pPr marL="3429000" indent="-228600">
+              <a:lnSpc>
+                <a:spcPct val="90000"/>
+              </a:lnSpc>
+              <a:spcBef>
+                <a:spcPts val="500"/>
+              </a:spcBef>
+              <a:buFont typeface="Arial" panose="020B0604020202020204" pitchFamily="34" charset="0"/>
+              <a:buChar char="•"/>
+            </a:lvl8pPr>
+            <a:lvl9pPr marL="3886200" indent="-228600">
+              <a:lnSpc>
+                <a:spcPct val="90000"/>
+              </a:lnSpc>
+              <a:spcBef>
+                <a:spcPts val="500"/>
+              </a:spcBef>
+              <a:buFont typeface="Arial" panose="020B0604020202020204" pitchFamily="34" charset="0"/>
+              <a:buChar char="•"/>
+            </a:lvl9pPr>
+          </a:lstStyle>
+          <a:p>
+            <a:pPr marL="0" indent="0">
+              <a:lnSpc>
+                <a:spcPts val="3200"/>
+              </a:lnSpc>
+              <a:buSzPct val="70000"/>
+              <a:buNone/>
+              <a:defRPr/>
+            </a:pPr>
+            <a:r>
+              <a:rPr lang="zh-CN" altLang="en-US" sz="1800" dirty="0" smtClean="0">
+                <a:latin typeface="+mn-ea"/>
+              </a:rPr>
+              <a:t>    将</a:t>
+            </a:r>
+            <a:r>
+              <a:rPr lang="zh-CN" altLang="en-US" sz="1800" dirty="0">
+                <a:latin typeface="+mn-ea"/>
+              </a:rPr>
+              <a:t>我们的游戏攻略以网页的形式来发布，我们只具备网页前端设计的经验，但是我们对于后端框架以及数据的变量还不是很熟悉，对于开源的论坛使用不是十分熟练，服务器搭建也同样是我们的弱势；</a:t>
+            </a:r>
           </a:p>
         </p:txBody>
       </p:sp>
@@ -15968,28 +16145,28 @@
                 <a:gridCol w="1947861">
                   <a:extLst>
                     <a:ext uri="{9D8B030D-6E8A-4147-A177-3AD203B41FA5}">
-                      <a16:colId xmlns="" xmlns:a16="http://schemas.microsoft.com/office/drawing/2014/main" val="20000"/>
+                      <a16:colId xmlns:a16="http://schemas.microsoft.com/office/drawing/2014/main" xmlns="" val="20000"/>
                     </a:ext>
                   </a:extLst>
                 </a:gridCol>
                 <a:gridCol w="2016224">
                   <a:extLst>
                     <a:ext uri="{9D8B030D-6E8A-4147-A177-3AD203B41FA5}">
-                      <a16:colId xmlns="" xmlns:a16="http://schemas.microsoft.com/office/drawing/2014/main" val="20001"/>
+                      <a16:colId xmlns:a16="http://schemas.microsoft.com/office/drawing/2014/main" xmlns="" val="20001"/>
                     </a:ext>
                   </a:extLst>
                 </a:gridCol>
                 <a:gridCol w="2088232">
                   <a:extLst>
                     <a:ext uri="{9D8B030D-6E8A-4147-A177-3AD203B41FA5}">
-                      <a16:colId xmlns="" xmlns:a16="http://schemas.microsoft.com/office/drawing/2014/main" val="20002"/>
+                      <a16:colId xmlns:a16="http://schemas.microsoft.com/office/drawing/2014/main" xmlns="" val="20002"/>
                     </a:ext>
                   </a:extLst>
                 </a:gridCol>
                 <a:gridCol w="2660651">
                   <a:extLst>
                     <a:ext uri="{9D8B030D-6E8A-4147-A177-3AD203B41FA5}">
-                      <a16:colId xmlns="" xmlns:a16="http://schemas.microsoft.com/office/drawing/2014/main" val="20003"/>
+                      <a16:colId xmlns:a16="http://schemas.microsoft.com/office/drawing/2014/main" xmlns="" val="20003"/>
                     </a:ext>
                   </a:extLst>
                 </a:gridCol>
@@ -16113,7 +16290,7 @@
                 </a:tc>
                 <a:extLst>
                   <a:ext uri="{0D108BD9-81ED-4DB2-BD59-A6C34878D82A}">
-                    <a16:rowId xmlns="" xmlns:a16="http://schemas.microsoft.com/office/drawing/2014/main" val="10000"/>
+                    <a16:rowId xmlns:a16="http://schemas.microsoft.com/office/drawing/2014/main" xmlns="" val="10000"/>
                   </a:ext>
                 </a:extLst>
               </a:tr>
@@ -16224,7 +16401,7 @@
                 </a:tc>
                 <a:extLst>
                   <a:ext uri="{0D108BD9-81ED-4DB2-BD59-A6C34878D82A}">
-                    <a16:rowId xmlns="" xmlns:a16="http://schemas.microsoft.com/office/drawing/2014/main" val="10001"/>
+                    <a16:rowId xmlns:a16="http://schemas.microsoft.com/office/drawing/2014/main" xmlns="" val="10001"/>
                   </a:ext>
                 </a:extLst>
               </a:tr>
@@ -16335,7 +16512,7 @@
                 </a:tc>
                 <a:extLst>
                   <a:ext uri="{0D108BD9-81ED-4DB2-BD59-A6C34878D82A}">
-                    <a16:rowId xmlns="" xmlns:a16="http://schemas.microsoft.com/office/drawing/2014/main" val="10002"/>
+                    <a16:rowId xmlns:a16="http://schemas.microsoft.com/office/drawing/2014/main" xmlns="" val="10002"/>
                   </a:ext>
                 </a:extLst>
               </a:tr>
@@ -16476,7 +16653,7 @@
                 </a:tc>
                 <a:extLst>
                   <a:ext uri="{0D108BD9-81ED-4DB2-BD59-A6C34878D82A}">
-                    <a16:rowId xmlns="" xmlns:a16="http://schemas.microsoft.com/office/drawing/2014/main" val="10003"/>
+                    <a16:rowId xmlns:a16="http://schemas.microsoft.com/office/drawing/2014/main" xmlns="" val="10003"/>
                   </a:ext>
                 </a:extLst>
               </a:tr>
@@ -19530,21 +19707,21 @@
                 <a:gridCol w="2367312">
                   <a:extLst>
                     <a:ext uri="{9D8B030D-6E8A-4147-A177-3AD203B41FA5}">
-                      <a16:colId xmlns="" xmlns:a16="http://schemas.microsoft.com/office/drawing/2014/main" val="20000"/>
+                      <a16:colId xmlns:a16="http://schemas.microsoft.com/office/drawing/2014/main" xmlns="" val="20000"/>
                     </a:ext>
                   </a:extLst>
                 </a:gridCol>
                 <a:gridCol w="2367312">
                   <a:extLst>
                     <a:ext uri="{9D8B030D-6E8A-4147-A177-3AD203B41FA5}">
-                      <a16:colId xmlns="" xmlns:a16="http://schemas.microsoft.com/office/drawing/2014/main" val="20001"/>
+                      <a16:colId xmlns:a16="http://schemas.microsoft.com/office/drawing/2014/main" xmlns="" val="20001"/>
                     </a:ext>
                   </a:extLst>
                 </a:gridCol>
                 <a:gridCol w="2367312">
                   <a:extLst>
                     <a:ext uri="{9D8B030D-6E8A-4147-A177-3AD203B41FA5}">
-                      <a16:colId xmlns="" xmlns:a16="http://schemas.microsoft.com/office/drawing/2014/main" val="20002"/>
+                      <a16:colId xmlns:a16="http://schemas.microsoft.com/office/drawing/2014/main" xmlns="" val="20002"/>
                     </a:ext>
                   </a:extLst>
                 </a:gridCol>
@@ -19605,7 +19782,7 @@
                 </a:tc>
                 <a:extLst>
                   <a:ext uri="{0D108BD9-81ED-4DB2-BD59-A6C34878D82A}">
-                    <a16:rowId xmlns="" xmlns:a16="http://schemas.microsoft.com/office/drawing/2014/main" val="10000"/>
+                    <a16:rowId xmlns:a16="http://schemas.microsoft.com/office/drawing/2014/main" xmlns="" val="10000"/>
                   </a:ext>
                 </a:extLst>
               </a:tr>
@@ -19676,7 +19853,7 @@
                 </a:tc>
                 <a:extLst>
                   <a:ext uri="{0D108BD9-81ED-4DB2-BD59-A6C34878D82A}">
-                    <a16:rowId xmlns="" xmlns:a16="http://schemas.microsoft.com/office/drawing/2014/main" val="10001"/>
+                    <a16:rowId xmlns:a16="http://schemas.microsoft.com/office/drawing/2014/main" xmlns="" val="10001"/>
                   </a:ext>
                 </a:extLst>
               </a:tr>
@@ -19724,7 +19901,7 @@
                 </a:tc>
                 <a:extLst>
                   <a:ext uri="{0D108BD9-81ED-4DB2-BD59-A6C34878D82A}">
-                    <a16:rowId xmlns="" xmlns:a16="http://schemas.microsoft.com/office/drawing/2014/main" val="10002"/>
+                    <a16:rowId xmlns:a16="http://schemas.microsoft.com/office/drawing/2014/main" xmlns="" val="10002"/>
                   </a:ext>
                 </a:extLst>
               </a:tr>
@@ -19776,7 +19953,7 @@
                 </a:tc>
                 <a:extLst>
                   <a:ext uri="{0D108BD9-81ED-4DB2-BD59-A6C34878D82A}">
-                    <a16:rowId xmlns="" xmlns:a16="http://schemas.microsoft.com/office/drawing/2014/main" val="10003"/>
+                    <a16:rowId xmlns:a16="http://schemas.microsoft.com/office/drawing/2014/main" xmlns="" val="10003"/>
                   </a:ext>
                 </a:extLst>
               </a:tr>
@@ -19829,7 +20006,7 @@
                 </a:tc>
                 <a:extLst>
                   <a:ext uri="{0D108BD9-81ED-4DB2-BD59-A6C34878D82A}">
-                    <a16:rowId xmlns="" xmlns:a16="http://schemas.microsoft.com/office/drawing/2014/main" val="10004"/>
+                    <a16:rowId xmlns:a16="http://schemas.microsoft.com/office/drawing/2014/main" xmlns="" val="10004"/>
                   </a:ext>
                 </a:extLst>
               </a:tr>
@@ -20780,13 +20957,7 @@
               <a:rPr lang="en-US" altLang="zh-CN" sz="1400" dirty="0" smtClean="0">
                 <a:latin typeface="+mn-ea"/>
               </a:rPr>
-              <a:t>keyword=gameplay&amp;suffix=com   </a:t>
-            </a:r>
-            <a:r>
-              <a:rPr lang="en-US" altLang="zh-CN" sz="1400" dirty="0" smtClean="0">
-                <a:latin typeface="+mn-ea"/>
-              </a:rPr>
-              <a:t>2020.10.29</a:t>
+              <a:t>keyword=gameplay&amp;suffix=com   2020.10.29</a:t>
             </a:r>
           </a:p>
           <a:p>
@@ -20834,9 +21005,6 @@
               </a:rPr>
               <a:t>://www.discuz.net/forum.php</a:t>
             </a:r>
-            <a:endParaRPr lang="en-US" altLang="zh-CN" sz="1400" dirty="0">
-              <a:latin typeface="+mn-ea"/>
-            </a:endParaRPr>
           </a:p>
         </p:txBody>
       </p:sp>
@@ -21558,19 +21726,7 @@
                 </a:solidFill>
                 <a:latin typeface="Arial" panose="020B0604020202020204" pitchFamily="34" charset="0"/>
               </a:rPr>
-              <a:t>讲以及</a:t>
-            </a:r>
-            <a:r>
-              <a:rPr lang="zh-CN" altLang="en-US" sz="1800" b="1" dirty="0" smtClean="0">
-                <a:solidFill>
-                  <a:srgbClr val="000000">
-                    <a:lumMod val="75000"/>
-                    <a:lumOff val="25000"/>
-                  </a:srgbClr>
-                </a:solidFill>
-                <a:latin typeface="Arial" panose="020B0604020202020204" pitchFamily="34" charset="0"/>
-              </a:rPr>
-              <a:t>工</a:t>
+              <a:t>讲以及工</a:t>
             </a:r>
             <a:r>
               <a:rPr lang="zh-CN" altLang="en-US" sz="1800" b="1" dirty="0">
@@ -23824,13 +23980,7 @@
               <a:rPr lang="zh-CN" altLang="en-US" sz="2400" b="1" dirty="0" smtClean="0">
                 <a:latin typeface="+mn-ea"/>
               </a:rPr>
-              <a:t>：</a:t>
-            </a:r>
-            <a:r>
-              <a:rPr lang="zh-CN" altLang="en-US" sz="2400" b="1" dirty="0" smtClean="0">
-                <a:latin typeface="+mn-ea"/>
-              </a:rPr>
-              <a:t>阿里云服务器</a:t>
+              <a:t>：阿里云服务器</a:t>
             </a:r>
             <a:endParaRPr lang="en-US" altLang="zh-CN" sz="2400" dirty="0">
               <a:latin typeface="+mn-ea"/>
@@ -24719,13 +24869,7 @@
               <a:rPr lang="zh-CN" altLang="en-US" sz="2000" b="1" dirty="0" smtClean="0">
                 <a:latin typeface="+mn-ea"/>
               </a:rPr>
-              <a:t>所以将</a:t>
-            </a:r>
-            <a:r>
-              <a:rPr lang="zh-CN" altLang="en-US" sz="2000" b="1" dirty="0" smtClean="0">
-                <a:latin typeface="+mn-ea"/>
-              </a:rPr>
-              <a:t>我们网站的功能模块分为这么几个。</a:t>
+              <a:t>所以将我们网站的功能模块分为这么几个。</a:t>
             </a:r>
             <a:endParaRPr lang="zh-CN" altLang="en-US" sz="1100" dirty="0" smtClean="0">
               <a:uFillTx/>
@@ -25310,19 +25454,7 @@
               <a:rPr lang="zh-CN" altLang="en-US" sz="1800" dirty="0" smtClean="0">
                 <a:latin typeface="+mn-ea"/>
               </a:rPr>
-              <a:t>经验</a:t>
-            </a:r>
-            <a:r>
-              <a:rPr lang="zh-CN" altLang="en-US" sz="1800" dirty="0" smtClean="0">
-                <a:latin typeface="+mn-ea"/>
-              </a:rPr>
-              <a:t>。使</a:t>
-            </a:r>
-            <a:r>
-              <a:rPr lang="zh-CN" altLang="en-US" sz="1800" dirty="0" smtClean="0">
-                <a:latin typeface="+mn-ea"/>
-              </a:rPr>
-              <a:t>用</a:t>
+              <a:t>经验。使用</a:t>
             </a:r>
             <a:r>
               <a:rPr lang="en-US" altLang="zh-CN" sz="1800" dirty="0" smtClean="0">
@@ -25334,19 +25466,7 @@
               <a:rPr lang="zh-CN" altLang="en-US" sz="1800" dirty="0" smtClean="0">
                 <a:latin typeface="+mn-ea"/>
               </a:rPr>
-              <a:t>可</a:t>
-            </a:r>
-            <a:r>
-              <a:rPr lang="zh-CN" altLang="en-US" sz="1800" dirty="0" smtClean="0">
-                <a:latin typeface="+mn-ea"/>
-              </a:rPr>
-              <a:t>以很轻松的搭建网页的前端部分，对于论坛模块的功能，我们可以使用开源的论坛工具，类</a:t>
-            </a:r>
-            <a:r>
-              <a:rPr lang="zh-CN" altLang="en-US" sz="1800" dirty="0" smtClean="0">
-                <a:latin typeface="+mn-ea"/>
-              </a:rPr>
-              <a:t>似</a:t>
+              <a:t>可以很轻松的搭建网页的前端部分，对于论坛模块的功能，我们可以使用开源的论坛工具，类似</a:t>
             </a:r>
             <a:r>
               <a:rPr lang="en-US" altLang="zh-CN" sz="1800" dirty="0" err="1" smtClean="0">
@@ -25409,9 +25529,6 @@
               </a:rPr>
               <a:t>    </a:t>
             </a:r>
-            <a:endParaRPr lang="en-US" altLang="zh-CN" sz="1800" dirty="0" smtClean="0">
-              <a:latin typeface="+mn-ea"/>
-            </a:endParaRPr>
           </a:p>
         </p:txBody>
       </p:sp>
@@ -27333,13 +27450,33 @@
 
 <file path=ppt/tags/tag207.xml><?xml version="1.0" encoding="utf-8"?>
 <p:tagLst xmlns:a="http://schemas.openxmlformats.org/drawingml/2006/main" xmlns:r="http://schemas.openxmlformats.org/officeDocument/2006/relationships" xmlns:p="http://schemas.openxmlformats.org/presentationml/2006/main">
+  <p:tag name="KSO_WM_UNIT_HIGHLIGHT" val="0"/>
+  <p:tag name="KSO_WM_UNIT_COMPATIBLE" val="0"/>
+  <p:tag name="KSO_WM_UNIT_DIAGRAM_ISNUMVISUAL" val="0"/>
+  <p:tag name="KSO_WM_UNIT_DIAGRAM_ISREFERUNIT" val="0"/>
+  <p:tag name="KSO_WM_UNIT_ID" val="diagram20200773_1*f*1"/>
+  <p:tag name="KSO_WM_TEMPLATE_CATEGORY" val="diagram"/>
+  <p:tag name="KSO_WM_TEMPLATE_INDEX" val="20200773"/>
+  <p:tag name="KSO_WM_UNIT_LAYERLEVEL" val="1"/>
+  <p:tag name="KSO_WM_TAG_VERSION" val="1.0"/>
+  <p:tag name="KSO_WM_BEAUTIFY_FLAG" val="#wm#"/>
+  <p:tag name="KSO_WM_UNIT_PRESET_TEXT" val="单击此处添加文本具体内容，简明扼要的阐述您的观点。根据需要可酌情增减文字，以便观者准确的理解您传达的思想。单击此处添加文本具体内容，简明扼要的阐述您的观点。根据需要可酌情增减文字，以便观者准确的理解您传达的思想。单击此处添加文本具体内容，简明扼要的阐述您的观点。根据需要可酌情增减文字，以便观者准确的理解您传达的思想。&#10;单击此处添加文本具体内容，简明扼要的阐述您的观点。根据需要可酌情增减文字，以便观者准确的理解您传达的思想。&#10;单击此处添加文本具体内容，简明扼要的阐述您的观点。&#10;单击此处添加文本具体内容，简明扼要的阐述您的观点。&#10;单击此处添加文本具体内容，简明扼要的阐述您的观点。&#10;单击此处添加文本具体内容，简明扼要的阐述您的观点。根据需要可酌情增减文字，以便观者准确的理解您传达的思想。单击此处添加文本具体内容，简明扼要的阐述您的观点。根据需要可酌情增减文字，以便观者准确的理解您传达的思想。单击此处添加文本具体内容，简明扼要的阐述您的观点。根据需要可酌情增减文字，以便观者准确的理解您传达的思想。单击此处添加文本具体内容，简明扼要的阐述您的观点。&#10;单击此处添加文本具体内容，简明扼要的阐述您的观点。根据需要可酌情增减文字，以便观者准确的理解您传达的思想。单击此处添加文本具体内容，简明扼要的阐述您的观点。根据需要可酌情增减文字，以便观者准确的理解您传达的思想。&#10;单击此处添加文本具体内容，简明扼要的阐述您的观点。根据需要可酌情增减文字，以便观者准确的理解您传达的思想。单击此处添加文本具体内容，简明扼要的阐述您的观点。根据需要可酌情增减文字，以便观者准确的理解您传达的思想。单击此处添加文本具体内容，简明扼要的阐述您的观点。根据需要可酌情增减文字，以便观者准确的理解您传达的思想。&#10;单击此处添加文本具体内容。"/>
+  <p:tag name="KSO_WM_UNIT_NOCLEAR" val="0"/>
+  <p:tag name="KSO_WM_UNIT_VALUE" val="1680"/>
+  <p:tag name="KSO_WM_UNIT_TYPE" val="f"/>
+  <p:tag name="KSO_WM_UNIT_INDEX" val="1"/>
+</p:tagLst>
+</file>
+
+<file path=ppt/tags/tag208.xml><?xml version="1.0" encoding="utf-8"?>
+<p:tagLst xmlns:a="http://schemas.openxmlformats.org/drawingml/2006/main" xmlns:r="http://schemas.openxmlformats.org/officeDocument/2006/relationships" xmlns:p="http://schemas.openxmlformats.org/presentationml/2006/main">
   <p:tag name="KSO_WM_BEAUTIFY_FLAG" val="#wm#"/>
   <p:tag name="KSO_WM_TEMPLATE_CATEGORY" val="diagram"/>
   <p:tag name="KSO_WM_TEMPLATE_INDEX" val="20200773"/>
 </p:tagLst>
 </file>
 
-<file path=ppt/tags/tag208.xml><?xml version="1.0" encoding="utf-8"?>
+<file path=ppt/tags/tag209.xml><?xml version="1.0" encoding="utf-8"?>
 <p:tagLst xmlns:a="http://schemas.openxmlformats.org/drawingml/2006/main" xmlns:r="http://schemas.openxmlformats.org/officeDocument/2006/relationships" xmlns:p="http://schemas.openxmlformats.org/presentationml/2006/main">
   <p:tag name="KSO_WM_UNIT_HIGHLIGHT" val="0"/>
   <p:tag name="KSO_WM_UNIT_COMPATIBLE" val="0"/>
@@ -27356,7 +27493,22 @@
 </p:tagLst>
 </file>
 
-<file path=ppt/tags/tag209.xml><?xml version="1.0" encoding="utf-8"?>
+<file path=ppt/tags/tag21.xml><?xml version="1.0" encoding="utf-8"?>
+<p:tagLst xmlns:a="http://schemas.openxmlformats.org/drawingml/2006/main" xmlns:r="http://schemas.openxmlformats.org/officeDocument/2006/relationships" xmlns:p="http://schemas.openxmlformats.org/presentationml/2006/main">
+  <p:tag name="KSO_WM_UNIT_HIGHLIGHT" val="0"/>
+  <p:tag name="KSO_WM_UNIT_COMPATIBLE" val="0"/>
+  <p:tag name="KSO_WM_UNIT_DIAGRAM_ISNUMVISUAL" val="0"/>
+  <p:tag name="KSO_WM_UNIT_DIAGRAM_ISREFERUNIT" val="0"/>
+  <p:tag name="KSO_WM_UNIT_TYPE" val="γ"/>
+  <p:tag name="KSO_WM_UNIT_INDEX" val="2"/>
+  <p:tag name="KSO_WM_UNIT_ID" val="_2*γ*2"/>
+  <p:tag name="KSO_WM_UNIT_LAYERLEVEL" val="1"/>
+  <p:tag name="KSO_WM_TAG_VERSION" val="1.0"/>
+  <p:tag name="KSO_WM_BEAUTIFY_FLAG" val="#wm#"/>
+</p:tagLst>
+</file>
+
+<file path=ppt/tags/tag210.xml><?xml version="1.0" encoding="utf-8"?>
 <p:tagLst xmlns:a="http://schemas.openxmlformats.org/drawingml/2006/main" xmlns:r="http://schemas.openxmlformats.org/officeDocument/2006/relationships" xmlns:p="http://schemas.openxmlformats.org/presentationml/2006/main">
   <p:tag name="KSO_WM_UNIT_HIGHLIGHT" val="0"/>
   <p:tag name="KSO_WM_UNIT_COMPATIBLE" val="0"/>
@@ -27377,22 +27529,7 @@
 </p:tagLst>
 </file>
 
-<file path=ppt/tags/tag21.xml><?xml version="1.0" encoding="utf-8"?>
-<p:tagLst xmlns:a="http://schemas.openxmlformats.org/drawingml/2006/main" xmlns:r="http://schemas.openxmlformats.org/officeDocument/2006/relationships" xmlns:p="http://schemas.openxmlformats.org/presentationml/2006/main">
-  <p:tag name="KSO_WM_UNIT_HIGHLIGHT" val="0"/>
-  <p:tag name="KSO_WM_UNIT_COMPATIBLE" val="0"/>
-  <p:tag name="KSO_WM_UNIT_DIAGRAM_ISNUMVISUAL" val="0"/>
-  <p:tag name="KSO_WM_UNIT_DIAGRAM_ISREFERUNIT" val="0"/>
-  <p:tag name="KSO_WM_UNIT_TYPE" val="γ"/>
-  <p:tag name="KSO_WM_UNIT_INDEX" val="2"/>
-  <p:tag name="KSO_WM_UNIT_ID" val="_2*γ*2"/>
-  <p:tag name="KSO_WM_UNIT_LAYERLEVEL" val="1"/>
-  <p:tag name="KSO_WM_TAG_VERSION" val="1.0"/>
-  <p:tag name="KSO_WM_BEAUTIFY_FLAG" val="#wm#"/>
-</p:tagLst>
-</file>
-
-<file path=ppt/tags/tag210.xml><?xml version="1.0" encoding="utf-8"?>
+<file path=ppt/tags/tag211.xml><?xml version="1.0" encoding="utf-8"?>
 <p:tagLst xmlns:a="http://schemas.openxmlformats.org/drawingml/2006/main" xmlns:r="http://schemas.openxmlformats.org/officeDocument/2006/relationships" xmlns:p="http://schemas.openxmlformats.org/presentationml/2006/main">
   <p:tag name="KSO_WM_UNIT_HIGHLIGHT" val="0"/>
   <p:tag name="KSO_WM_UNIT_COMPATIBLE" val="0"/>
@@ -27412,7 +27549,7 @@
 </p:tagLst>
 </file>
 
-<file path=ppt/tags/tag211.xml><?xml version="1.0" encoding="utf-8"?>
+<file path=ppt/tags/tag212.xml><?xml version="1.0" encoding="utf-8"?>
 <p:tagLst xmlns:a="http://schemas.openxmlformats.org/drawingml/2006/main" xmlns:r="http://schemas.openxmlformats.org/officeDocument/2006/relationships" xmlns:p="http://schemas.openxmlformats.org/presentationml/2006/main">
   <p:tag name="KSO_WM_BEAUTIFY_FLAG" val="#wm#"/>
   <p:tag name="KSO_WM_TEMPLATE_CATEGORY" val="diagram"/>
@@ -27420,7 +27557,7 @@
 </p:tagLst>
 </file>
 
-<file path=ppt/tags/tag212.xml><?xml version="1.0" encoding="utf-8"?>
+<file path=ppt/tags/tag213.xml><?xml version="1.0" encoding="utf-8"?>
 <p:tagLst xmlns:a="http://schemas.openxmlformats.org/drawingml/2006/main" xmlns:r="http://schemas.openxmlformats.org/officeDocument/2006/relationships" xmlns:p="http://schemas.openxmlformats.org/presentationml/2006/main">
   <p:tag name="KSO_WM_UNIT_HIGHLIGHT" val="0"/>
   <p:tag name="KSO_WM_UNIT_COMPATIBLE" val="0"/>
@@ -27437,7 +27574,7 @@
 </p:tagLst>
 </file>
 
-<file path=ppt/tags/tag213.xml><?xml version="1.0" encoding="utf-8"?>
+<file path=ppt/tags/tag214.xml><?xml version="1.0" encoding="utf-8"?>
 <p:tagLst xmlns:a="http://schemas.openxmlformats.org/drawingml/2006/main" xmlns:r="http://schemas.openxmlformats.org/officeDocument/2006/relationships" xmlns:p="http://schemas.openxmlformats.org/presentationml/2006/main">
   <p:tag name="KSO_WM_UNIT_HIGHLIGHT" val="0"/>
   <p:tag name="KSO_WM_UNIT_COMPATIBLE" val="0"/>
@@ -27458,7 +27595,7 @@
 </p:tagLst>
 </file>
 
-<file path=ppt/tags/tag214.xml><?xml version="1.0" encoding="utf-8"?>
+<file path=ppt/tags/tag215.xml><?xml version="1.0" encoding="utf-8"?>
 <p:tagLst xmlns:a="http://schemas.openxmlformats.org/drawingml/2006/main" xmlns:r="http://schemas.openxmlformats.org/officeDocument/2006/relationships" xmlns:p="http://schemas.openxmlformats.org/presentationml/2006/main">
   <p:tag name="KSO_WM_BEAUTIFY_FLAG" val="#wm#"/>
   <p:tag name="KSO_WM_TEMPLATE_CATEGORY" val="diagram"/>
@@ -27466,7 +27603,7 @@
 </p:tagLst>
 </file>
 
-<file path=ppt/tags/tag215.xml><?xml version="1.0" encoding="utf-8"?>
+<file path=ppt/tags/tag216.xml><?xml version="1.0" encoding="utf-8"?>
 <p:tagLst xmlns:a="http://schemas.openxmlformats.org/drawingml/2006/main" xmlns:r="http://schemas.openxmlformats.org/officeDocument/2006/relationships" xmlns:p="http://schemas.openxmlformats.org/presentationml/2006/main">
   <p:tag name="KSO_WM_UNIT_HIGHLIGHT" val="0"/>
   <p:tag name="KSO_WM_UNIT_COMPATIBLE" val="0"/>
@@ -27483,7 +27620,7 @@
 </p:tagLst>
 </file>
 
-<file path=ppt/tags/tag216.xml><?xml version="1.0" encoding="utf-8"?>
+<file path=ppt/tags/tag217.xml><?xml version="1.0" encoding="utf-8"?>
 <p:tagLst xmlns:a="http://schemas.openxmlformats.org/drawingml/2006/main" xmlns:r="http://schemas.openxmlformats.org/officeDocument/2006/relationships" xmlns:p="http://schemas.openxmlformats.org/presentationml/2006/main">
   <p:tag name="KSO_WM_UNIT_HIGHLIGHT" val="0"/>
   <p:tag name="KSO_WM_UNIT_COMPATIBLE" val="0"/>
@@ -27504,7 +27641,7 @@
 </p:tagLst>
 </file>
 
-<file path=ppt/tags/tag217.xml><?xml version="1.0" encoding="utf-8"?>
+<file path=ppt/tags/tag218.xml><?xml version="1.0" encoding="utf-8"?>
 <p:tagLst xmlns:a="http://schemas.openxmlformats.org/drawingml/2006/main" xmlns:r="http://schemas.openxmlformats.org/officeDocument/2006/relationships" xmlns:p="http://schemas.openxmlformats.org/presentationml/2006/main">
   <p:tag name="KSO_WM_BEAUTIFY_FLAG" val="#wm#"/>
   <p:tag name="KSO_WM_TEMPLATE_CATEGORY" val="diagram"/>
@@ -27512,7 +27649,7 @@
 </p:tagLst>
 </file>
 
-<file path=ppt/tags/tag218.xml><?xml version="1.0" encoding="utf-8"?>
+<file path=ppt/tags/tag219.xml><?xml version="1.0" encoding="utf-8"?>
 <p:tagLst xmlns:a="http://schemas.openxmlformats.org/drawingml/2006/main" xmlns:r="http://schemas.openxmlformats.org/officeDocument/2006/relationships" xmlns:p="http://schemas.openxmlformats.org/presentationml/2006/main">
   <p:tag name="KSO_WM_UNIT_HIGHLIGHT" val="0"/>
   <p:tag name="KSO_WM_UNIT_COMPATIBLE" val="0"/>
@@ -27529,7 +27666,20 @@
 </p:tagLst>
 </file>
 
-<file path=ppt/tags/tag219.xml><?xml version="1.0" encoding="utf-8"?>
+<file path=ppt/tags/tag22.xml><?xml version="1.0" encoding="utf-8"?>
+<p:tagLst xmlns:a="http://schemas.openxmlformats.org/drawingml/2006/main" xmlns:r="http://schemas.openxmlformats.org/officeDocument/2006/relationships" xmlns:p="http://schemas.openxmlformats.org/presentationml/2006/main">
+  <p:tag name="KSO_WM_UNIT_HIGHLIGHT" val="0"/>
+  <p:tag name="KSO_WM_UNIT_COMPATIBLE" val="0"/>
+  <p:tag name="KSO_WM_UNIT_DIAGRAM_ISNUMVISUAL" val="0"/>
+  <p:tag name="KSO_WM_UNIT_DIAGRAM_ISREFERUNIT" val="0"/>
+  <p:tag name="KSO_WM_UNIT_ID" val="_2**"/>
+  <p:tag name="KSO_WM_UNIT_LAYERLEVEL" val="1"/>
+  <p:tag name="KSO_WM_TAG_VERSION" val="1.0"/>
+  <p:tag name="KSO_WM_BEAUTIFY_FLAG" val="#wm#"/>
+</p:tagLst>
+</file>
+
+<file path=ppt/tags/tag220.xml><?xml version="1.0" encoding="utf-8"?>
 <p:tagLst xmlns:a="http://schemas.openxmlformats.org/drawingml/2006/main" xmlns:r="http://schemas.openxmlformats.org/officeDocument/2006/relationships" xmlns:p="http://schemas.openxmlformats.org/presentationml/2006/main">
   <p:tag name="KSO_WM_UNIT_HIGHLIGHT" val="0"/>
   <p:tag name="KSO_WM_UNIT_COMPATIBLE" val="0"/>
@@ -27550,20 +27700,7 @@
 </p:tagLst>
 </file>
 
-<file path=ppt/tags/tag22.xml><?xml version="1.0" encoding="utf-8"?>
-<p:tagLst xmlns:a="http://schemas.openxmlformats.org/drawingml/2006/main" xmlns:r="http://schemas.openxmlformats.org/officeDocument/2006/relationships" xmlns:p="http://schemas.openxmlformats.org/presentationml/2006/main">
-  <p:tag name="KSO_WM_UNIT_HIGHLIGHT" val="0"/>
-  <p:tag name="KSO_WM_UNIT_COMPATIBLE" val="0"/>
-  <p:tag name="KSO_WM_UNIT_DIAGRAM_ISNUMVISUAL" val="0"/>
-  <p:tag name="KSO_WM_UNIT_DIAGRAM_ISREFERUNIT" val="0"/>
-  <p:tag name="KSO_WM_UNIT_ID" val="_2**"/>
-  <p:tag name="KSO_WM_UNIT_LAYERLEVEL" val="1"/>
-  <p:tag name="KSO_WM_TAG_VERSION" val="1.0"/>
-  <p:tag name="KSO_WM_BEAUTIFY_FLAG" val="#wm#"/>
-</p:tagLst>
-</file>
-
-<file path=ppt/tags/tag220.xml><?xml version="1.0" encoding="utf-8"?>
+<file path=ppt/tags/tag221.xml><?xml version="1.0" encoding="utf-8"?>
 <p:tagLst xmlns:a="http://schemas.openxmlformats.org/drawingml/2006/main" xmlns:r="http://schemas.openxmlformats.org/officeDocument/2006/relationships" xmlns:p="http://schemas.openxmlformats.org/presentationml/2006/main">
   <p:tag name="KSO_WM_BEAUTIFY_FLAG" val="#wm#"/>
   <p:tag name="KSO_WM_TEMPLATE_CATEGORY" val="diagram"/>
@@ -27571,7 +27708,7 @@
 </p:tagLst>
 </file>
 
-<file path=ppt/tags/tag221.xml><?xml version="1.0" encoding="utf-8"?>
+<file path=ppt/tags/tag222.xml><?xml version="1.0" encoding="utf-8"?>
 <p:tagLst xmlns:a="http://schemas.openxmlformats.org/drawingml/2006/main" xmlns:r="http://schemas.openxmlformats.org/officeDocument/2006/relationships" xmlns:p="http://schemas.openxmlformats.org/presentationml/2006/main">
   <p:tag name="KSO_WM_UNIT_HIGHLIGHT" val="0"/>
   <p:tag name="KSO_WM_UNIT_COMPATIBLE" val="0"/>
@@ -27588,7 +27725,7 @@
 </p:tagLst>
 </file>
 
-<file path=ppt/tags/tag222.xml><?xml version="1.0" encoding="utf-8"?>
+<file path=ppt/tags/tag223.xml><?xml version="1.0" encoding="utf-8"?>
 <p:tagLst xmlns:a="http://schemas.openxmlformats.org/drawingml/2006/main" xmlns:r="http://schemas.openxmlformats.org/officeDocument/2006/relationships" xmlns:p="http://schemas.openxmlformats.org/presentationml/2006/main">
   <p:tag name="KSO_WM_UNIT_HIGHLIGHT" val="0"/>
   <p:tag name="KSO_WM_UNIT_COMPATIBLE" val="0"/>
@@ -27609,7 +27746,7 @@
 </p:tagLst>
 </file>
 
-<file path=ppt/tags/tag223.xml><?xml version="1.0" encoding="utf-8"?>
+<file path=ppt/tags/tag224.xml><?xml version="1.0" encoding="utf-8"?>
 <p:tagLst xmlns:a="http://schemas.openxmlformats.org/drawingml/2006/main" xmlns:r="http://schemas.openxmlformats.org/officeDocument/2006/relationships" xmlns:p="http://schemas.openxmlformats.org/presentationml/2006/main">
   <p:tag name="KSO_WM_BEAUTIFY_FLAG" val="#wm#"/>
   <p:tag name="KSO_WM_TEMPLATE_CATEGORY" val="diagram"/>
@@ -27617,7 +27754,7 @@
 </p:tagLst>
 </file>
 
-<file path=ppt/tags/tag224.xml><?xml version="1.0" encoding="utf-8"?>
+<file path=ppt/tags/tag225.xml><?xml version="1.0" encoding="utf-8"?>
 <p:tagLst xmlns:a="http://schemas.openxmlformats.org/drawingml/2006/main" xmlns:r="http://schemas.openxmlformats.org/officeDocument/2006/relationships" xmlns:p="http://schemas.openxmlformats.org/presentationml/2006/main">
   <p:tag name="KSO_WM_UNIT_HIGHLIGHT" val="0"/>
   <p:tag name="KSO_WM_UNIT_COMPATIBLE" val="0"/>
@@ -27634,7 +27771,7 @@
 </p:tagLst>
 </file>
 
-<file path=ppt/tags/tag225.xml><?xml version="1.0" encoding="utf-8"?>
+<file path=ppt/tags/tag226.xml><?xml version="1.0" encoding="utf-8"?>
 <p:tagLst xmlns:a="http://schemas.openxmlformats.org/drawingml/2006/main" xmlns:r="http://schemas.openxmlformats.org/officeDocument/2006/relationships" xmlns:p="http://schemas.openxmlformats.org/presentationml/2006/main">
   <p:tag name="KSO_WM_UNIT_HIGHLIGHT" val="0"/>
   <p:tag name="KSO_WM_UNIT_COMPATIBLE" val="0"/>
@@ -27655,7 +27792,7 @@
 </p:tagLst>
 </file>
 
-<file path=ppt/tags/tag226.xml><?xml version="1.0" encoding="utf-8"?>
+<file path=ppt/tags/tag227.xml><?xml version="1.0" encoding="utf-8"?>
 <p:tagLst xmlns:a="http://schemas.openxmlformats.org/drawingml/2006/main" xmlns:r="http://schemas.openxmlformats.org/officeDocument/2006/relationships" xmlns:p="http://schemas.openxmlformats.org/presentationml/2006/main">
   <p:tag name="KSO_WM_BEAUTIFY_FLAG" val="#wm#"/>
   <p:tag name="KSO_WM_TEMPLATE_CATEGORY" val="diagram"/>
@@ -27663,7 +27800,7 @@
 </p:tagLst>
 </file>
 
-<file path=ppt/tags/tag227.xml><?xml version="1.0" encoding="utf-8"?>
+<file path=ppt/tags/tag228.xml><?xml version="1.0" encoding="utf-8"?>
 <p:tagLst xmlns:a="http://schemas.openxmlformats.org/drawingml/2006/main" xmlns:r="http://schemas.openxmlformats.org/officeDocument/2006/relationships" xmlns:p="http://schemas.openxmlformats.org/presentationml/2006/main">
   <p:tag name="KSO_WM_UNIT_HIGHLIGHT" val="0"/>
   <p:tag name="KSO_WM_UNIT_COMPATIBLE" val="0"/>
@@ -27680,7 +27817,7 @@
 </p:tagLst>
 </file>
 
-<file path=ppt/tags/tag228.xml><?xml version="1.0" encoding="utf-8"?>
+<file path=ppt/tags/tag229.xml><?xml version="1.0" encoding="utf-8"?>
 <p:tagLst xmlns:a="http://schemas.openxmlformats.org/drawingml/2006/main" xmlns:r="http://schemas.openxmlformats.org/officeDocument/2006/relationships" xmlns:p="http://schemas.openxmlformats.org/presentationml/2006/main">
   <p:tag name="KSO_WM_UNIT_HIGHLIGHT" val="0"/>
   <p:tag name="KSO_WM_UNIT_COMPATIBLE" val="0"/>
@@ -27701,14 +27838,6 @@
 </p:tagLst>
 </file>
 
-<file path=ppt/tags/tag229.xml><?xml version="1.0" encoding="utf-8"?>
-<p:tagLst xmlns:a="http://schemas.openxmlformats.org/drawingml/2006/main" xmlns:r="http://schemas.openxmlformats.org/officeDocument/2006/relationships" xmlns:p="http://schemas.openxmlformats.org/presentationml/2006/main">
-  <p:tag name="KSO_WM_BEAUTIFY_FLAG" val="#wm#"/>
-  <p:tag name="KSO_WM_TEMPLATE_CATEGORY" val="diagram"/>
-  <p:tag name="KSO_WM_TEMPLATE_INDEX" val="20200773"/>
-</p:tagLst>
-</file>
-
 <file path=ppt/tags/tag23.xml><?xml version="1.0" encoding="utf-8"?>
 <p:tagLst xmlns:a="http://schemas.openxmlformats.org/drawingml/2006/main" xmlns:r="http://schemas.openxmlformats.org/officeDocument/2006/relationships" xmlns:p="http://schemas.openxmlformats.org/presentationml/2006/main">
   <p:tag name="KSO_WM_UNIT_HIGHLIGHT" val="0"/>
@@ -27723,6 +27852,14 @@
 </file>
 
 <file path=ppt/tags/tag230.xml><?xml version="1.0" encoding="utf-8"?>
+<p:tagLst xmlns:a="http://schemas.openxmlformats.org/drawingml/2006/main" xmlns:r="http://schemas.openxmlformats.org/officeDocument/2006/relationships" xmlns:p="http://schemas.openxmlformats.org/presentationml/2006/main">
+  <p:tag name="KSO_WM_BEAUTIFY_FLAG" val="#wm#"/>
+  <p:tag name="KSO_WM_TEMPLATE_CATEGORY" val="diagram"/>
+  <p:tag name="KSO_WM_TEMPLATE_INDEX" val="20200773"/>
+</p:tagLst>
+</file>
+
+<file path=ppt/tags/tag231.xml><?xml version="1.0" encoding="utf-8"?>
 <p:tagLst xmlns:a="http://schemas.openxmlformats.org/drawingml/2006/main" xmlns:r="http://schemas.openxmlformats.org/officeDocument/2006/relationships" xmlns:p="http://schemas.openxmlformats.org/presentationml/2006/main">
   <p:tag name="KSO_WM_UNIT_HIGHLIGHT" val="0"/>
   <p:tag name="KSO_WM_UNIT_COMPATIBLE" val="0"/>
@@ -27739,7 +27876,7 @@
 </p:tagLst>
 </file>
 
-<file path=ppt/tags/tag231.xml><?xml version="1.0" encoding="utf-8"?>
+<file path=ppt/tags/tag232.xml><?xml version="1.0" encoding="utf-8"?>
 <p:tagLst xmlns:a="http://schemas.openxmlformats.org/drawingml/2006/main" xmlns:r="http://schemas.openxmlformats.org/officeDocument/2006/relationships" xmlns:p="http://schemas.openxmlformats.org/presentationml/2006/main">
   <p:tag name="KSO_WM_UNIT_HIGHLIGHT" val="0"/>
   <p:tag name="KSO_WM_UNIT_COMPATIBLE" val="0"/>
@@ -27760,7 +27897,7 @@
 </p:tagLst>
 </file>
 
-<file path=ppt/tags/tag232.xml><?xml version="1.0" encoding="utf-8"?>
+<file path=ppt/tags/tag233.xml><?xml version="1.0" encoding="utf-8"?>
 <p:tagLst xmlns:a="http://schemas.openxmlformats.org/drawingml/2006/main" xmlns:r="http://schemas.openxmlformats.org/officeDocument/2006/relationships" xmlns:p="http://schemas.openxmlformats.org/presentationml/2006/main">
   <p:tag name="KSO_WM_BEAUTIFY_FLAG" val="#wm#"/>
   <p:tag name="KSO_WM_TEMPLATE_CATEGORY" val="diagram"/>
@@ -27768,7 +27905,7 @@
 </p:tagLst>
 </file>
 
-<file path=ppt/tags/tag233.xml><?xml version="1.0" encoding="utf-8"?>
+<file path=ppt/tags/tag234.xml><?xml version="1.0" encoding="utf-8"?>
 <p:tagLst xmlns:a="http://schemas.openxmlformats.org/drawingml/2006/main" xmlns:r="http://schemas.openxmlformats.org/officeDocument/2006/relationships" xmlns:p="http://schemas.openxmlformats.org/presentationml/2006/main">
   <p:tag name="KSO_WM_UNIT_HIGHLIGHT" val="0"/>
   <p:tag name="KSO_WM_UNIT_COMPATIBLE" val="0"/>
@@ -27785,7 +27922,7 @@
 </p:tagLst>
 </file>
 
-<file path=ppt/tags/tag234.xml><?xml version="1.0" encoding="utf-8"?>
+<file path=ppt/tags/tag235.xml><?xml version="1.0" encoding="utf-8"?>
 <p:tagLst xmlns:a="http://schemas.openxmlformats.org/drawingml/2006/main" xmlns:r="http://schemas.openxmlformats.org/officeDocument/2006/relationships" xmlns:p="http://schemas.openxmlformats.org/presentationml/2006/main">
   <p:tag name="KSO_WM_UNIT_HIGHLIGHT" val="0"/>
   <p:tag name="KSO_WM_UNIT_COMPATIBLE" val="0"/>
@@ -27806,7 +27943,7 @@
 </p:tagLst>
 </file>
 
-<file path=ppt/tags/tag235.xml><?xml version="1.0" encoding="utf-8"?>
+<file path=ppt/tags/tag236.xml><?xml version="1.0" encoding="utf-8"?>
 <p:tagLst xmlns:a="http://schemas.openxmlformats.org/drawingml/2006/main" xmlns:r="http://schemas.openxmlformats.org/officeDocument/2006/relationships" xmlns:p="http://schemas.openxmlformats.org/presentationml/2006/main">
   <p:tag name="KSO_WM_BEAUTIFY_FLAG" val="#wm#"/>
   <p:tag name="KSO_WM_TEMPLATE_CATEGORY" val="diagram"/>
@@ -27814,7 +27951,7 @@
 </p:tagLst>
 </file>
 
-<file path=ppt/tags/tag236.xml><?xml version="1.0" encoding="utf-8"?>
+<file path=ppt/tags/tag237.xml><?xml version="1.0" encoding="utf-8"?>
 <p:tagLst xmlns:a="http://schemas.openxmlformats.org/drawingml/2006/main" xmlns:r="http://schemas.openxmlformats.org/officeDocument/2006/relationships" xmlns:p="http://schemas.openxmlformats.org/presentationml/2006/main">
   <p:tag name="KSO_WM_UNIT_HIGHLIGHT" val="0"/>
   <p:tag name="KSO_WM_UNIT_COMPATIBLE" val="0"/>
@@ -27831,7 +27968,7 @@
 </p:tagLst>
 </file>
 
-<file path=ppt/tags/tag237.xml><?xml version="1.0" encoding="utf-8"?>
+<file path=ppt/tags/tag238.xml><?xml version="1.0" encoding="utf-8"?>
 <p:tagLst xmlns:a="http://schemas.openxmlformats.org/drawingml/2006/main" xmlns:r="http://schemas.openxmlformats.org/officeDocument/2006/relationships" xmlns:p="http://schemas.openxmlformats.org/presentationml/2006/main">
   <p:tag name="KSO_WM_UNIT_HIGHLIGHT" val="0"/>
   <p:tag name="KSO_WM_UNIT_COMPATIBLE" val="0"/>
@@ -27852,7 +27989,7 @@
 </p:tagLst>
 </file>
 
-<file path=ppt/tags/tag238.xml><?xml version="1.0" encoding="utf-8"?>
+<file path=ppt/tags/tag239.xml><?xml version="1.0" encoding="utf-8"?>
 <p:tagLst xmlns:a="http://schemas.openxmlformats.org/drawingml/2006/main" xmlns:r="http://schemas.openxmlformats.org/officeDocument/2006/relationships" xmlns:p="http://schemas.openxmlformats.org/presentationml/2006/main">
   <p:tag name="KSO_WM_UNIT_HIGHLIGHT" val="0"/>
   <p:tag name="KSO_WM_UNIT_COMPATIBLE" val="0"/>
@@ -27872,14 +28009,6 @@
 </p:tagLst>
 </file>
 
-<file path=ppt/tags/tag239.xml><?xml version="1.0" encoding="utf-8"?>
-<p:tagLst xmlns:a="http://schemas.openxmlformats.org/drawingml/2006/main" xmlns:r="http://schemas.openxmlformats.org/officeDocument/2006/relationships" xmlns:p="http://schemas.openxmlformats.org/presentationml/2006/main">
-  <p:tag name="KSO_WM_BEAUTIFY_FLAG" val="#wm#"/>
-  <p:tag name="KSO_WM_TEMPLATE_CATEGORY" val="diagram"/>
-  <p:tag name="KSO_WM_TEMPLATE_INDEX" val="20200773"/>
-</p:tagLst>
-</file>
-
 <file path=ppt/tags/tag24.xml><?xml version="1.0" encoding="utf-8"?>
 <p:tagLst xmlns:a="http://schemas.openxmlformats.org/drawingml/2006/main" xmlns:r="http://schemas.openxmlformats.org/officeDocument/2006/relationships" xmlns:p="http://schemas.openxmlformats.org/presentationml/2006/main">
   <p:tag name="KSO_WM_UNIT_HIGHLIGHT" val="0"/>
@@ -27894,6 +28023,14 @@
 </file>
 
 <file path=ppt/tags/tag240.xml><?xml version="1.0" encoding="utf-8"?>
+<p:tagLst xmlns:a="http://schemas.openxmlformats.org/drawingml/2006/main" xmlns:r="http://schemas.openxmlformats.org/officeDocument/2006/relationships" xmlns:p="http://schemas.openxmlformats.org/presentationml/2006/main">
+  <p:tag name="KSO_WM_BEAUTIFY_FLAG" val="#wm#"/>
+  <p:tag name="KSO_WM_TEMPLATE_CATEGORY" val="diagram"/>
+  <p:tag name="KSO_WM_TEMPLATE_INDEX" val="20200773"/>
+</p:tagLst>
+</file>
+
+<file path=ppt/tags/tag241.xml><?xml version="1.0" encoding="utf-8"?>
 <p:tagLst xmlns:a="http://schemas.openxmlformats.org/drawingml/2006/main" xmlns:r="http://schemas.openxmlformats.org/officeDocument/2006/relationships" xmlns:p="http://schemas.openxmlformats.org/presentationml/2006/main">
   <p:tag name="KSO_WM_UNIT_HIGHLIGHT" val="0"/>
   <p:tag name="KSO_WM_UNIT_COMPATIBLE" val="0"/>
@@ -27910,7 +28047,7 @@
 </p:tagLst>
 </file>
 
-<file path=ppt/tags/tag241.xml><?xml version="1.0" encoding="utf-8"?>
+<file path=ppt/tags/tag242.xml><?xml version="1.0" encoding="utf-8"?>
 <p:tagLst xmlns:a="http://schemas.openxmlformats.org/drawingml/2006/main" xmlns:r="http://schemas.openxmlformats.org/officeDocument/2006/relationships" xmlns:p="http://schemas.openxmlformats.org/presentationml/2006/main">
   <p:tag name="KSO_WM_UNIT_HIGHLIGHT" val="0"/>
   <p:tag name="KSO_WM_UNIT_COMPATIBLE" val="0"/>
@@ -27931,7 +28068,7 @@
 </p:tagLst>
 </file>
 
-<file path=ppt/tags/tag242.xml><?xml version="1.0" encoding="utf-8"?>
+<file path=ppt/tags/tag243.xml><?xml version="1.0" encoding="utf-8"?>
 <p:tagLst xmlns:a="http://schemas.openxmlformats.org/drawingml/2006/main" xmlns:r="http://schemas.openxmlformats.org/officeDocument/2006/relationships" xmlns:p="http://schemas.openxmlformats.org/presentationml/2006/main">
   <p:tag name="KSO_WM_UNIT_HIGHLIGHT" val="0"/>
   <p:tag name="KSO_WM_UNIT_COMPATIBLE" val="0"/>
@@ -27951,7 +28088,7 @@
 </p:tagLst>
 </file>
 
-<file path=ppt/tags/tag243.xml><?xml version="1.0" encoding="utf-8"?>
+<file path=ppt/tags/tag244.xml><?xml version="1.0" encoding="utf-8"?>
 <p:tagLst xmlns:a="http://schemas.openxmlformats.org/drawingml/2006/main" xmlns:r="http://schemas.openxmlformats.org/officeDocument/2006/relationships" xmlns:p="http://schemas.openxmlformats.org/presentationml/2006/main">
   <p:tag name="KSO_WM_BEAUTIFY_FLAG" val="#wm#"/>
   <p:tag name="KSO_WM_TEMPLATE_CATEGORY" val="diagram"/>
@@ -27959,7 +28096,7 @@
 </p:tagLst>
 </file>
 
-<file path=ppt/tags/tag244.xml><?xml version="1.0" encoding="utf-8"?>
+<file path=ppt/tags/tag245.xml><?xml version="1.0" encoding="utf-8"?>
 <p:tagLst xmlns:a="http://schemas.openxmlformats.org/drawingml/2006/main" xmlns:r="http://schemas.openxmlformats.org/officeDocument/2006/relationships" xmlns:p="http://schemas.openxmlformats.org/presentationml/2006/main">
   <p:tag name="KSO_WM_UNIT_HIGHLIGHT" val="0"/>
   <p:tag name="KSO_WM_UNIT_COMPATIBLE" val="0"/>
@@ -27976,7 +28113,7 @@
 </p:tagLst>
 </file>
 
-<file path=ppt/tags/tag245.xml><?xml version="1.0" encoding="utf-8"?>
+<file path=ppt/tags/tag246.xml><?xml version="1.0" encoding="utf-8"?>
 <p:tagLst xmlns:a="http://schemas.openxmlformats.org/drawingml/2006/main" xmlns:r="http://schemas.openxmlformats.org/officeDocument/2006/relationships" xmlns:p="http://schemas.openxmlformats.org/presentationml/2006/main">
   <p:tag name="KSO_WM_UNIT_HIGHLIGHT" val="0"/>
   <p:tag name="KSO_WM_UNIT_COMPATIBLE" val="0"/>
@@ -27997,7 +28134,7 @@
 </p:tagLst>
 </file>
 
-<file path=ppt/tags/tag246.xml><?xml version="1.0" encoding="utf-8"?>
+<file path=ppt/tags/tag247.xml><?xml version="1.0" encoding="utf-8"?>
 <p:tagLst xmlns:a="http://schemas.openxmlformats.org/drawingml/2006/main" xmlns:r="http://schemas.openxmlformats.org/officeDocument/2006/relationships" xmlns:p="http://schemas.openxmlformats.org/presentationml/2006/main">
   <p:tag name="KSO_WM_UNIT_HIGHLIGHT" val="0"/>
   <p:tag name="KSO_WM_UNIT_COMPATIBLE" val="0"/>
@@ -28017,7 +28154,7 @@
 </p:tagLst>
 </file>
 
-<file path=ppt/tags/tag247.xml><?xml version="1.0" encoding="utf-8"?>
+<file path=ppt/tags/tag248.xml><?xml version="1.0" encoding="utf-8"?>
 <p:tagLst xmlns:a="http://schemas.openxmlformats.org/drawingml/2006/main" xmlns:r="http://schemas.openxmlformats.org/officeDocument/2006/relationships" xmlns:p="http://schemas.openxmlformats.org/presentationml/2006/main">
   <p:tag name="KSO_WM_SLIDE_ID" val="diagram20200773_1"/>
   <p:tag name="KSO_WM_SLIDE_ITEM_CNT" val="0"/>
@@ -28037,7 +28174,7 @@
 </p:tagLst>
 </file>
 
-<file path=ppt/tags/tag248.xml><?xml version="1.0" encoding="utf-8"?>
+<file path=ppt/tags/tag249.xml><?xml version="1.0" encoding="utf-8"?>
 <p:tagLst xmlns:a="http://schemas.openxmlformats.org/drawingml/2006/main" xmlns:r="http://schemas.openxmlformats.org/officeDocument/2006/relationships" xmlns:p="http://schemas.openxmlformats.org/presentationml/2006/main">
   <p:tag name="KSO_WM_UNIT_HIGHLIGHT" val="0"/>
   <p:tag name="KSO_WM_UNIT_COMPATIBLE" val="0"/>
@@ -28054,7 +28191,20 @@
 </p:tagLst>
 </file>
 
-<file path=ppt/tags/tag249.xml><?xml version="1.0" encoding="utf-8"?>
+<file path=ppt/tags/tag25.xml><?xml version="1.0" encoding="utf-8"?>
+<p:tagLst xmlns:a="http://schemas.openxmlformats.org/drawingml/2006/main" xmlns:r="http://schemas.openxmlformats.org/officeDocument/2006/relationships" xmlns:p="http://schemas.openxmlformats.org/presentationml/2006/main">
+  <p:tag name="KSO_WM_UNIT_HIGHLIGHT" val="0"/>
+  <p:tag name="KSO_WM_UNIT_COMPATIBLE" val="0"/>
+  <p:tag name="KSO_WM_UNIT_DIAGRAM_ISNUMVISUAL" val="0"/>
+  <p:tag name="KSO_WM_UNIT_DIAGRAM_ISREFERUNIT" val="0"/>
+  <p:tag name="KSO_WM_UNIT_ID" val="_2**"/>
+  <p:tag name="KSO_WM_UNIT_LAYERLEVEL" val="1"/>
+  <p:tag name="KSO_WM_TAG_VERSION" val="1.0"/>
+  <p:tag name="KSO_WM_BEAUTIFY_FLAG" val="#wm#"/>
+</p:tagLst>
+</file>
+
+<file path=ppt/tags/tag250.xml><?xml version="1.0" encoding="utf-8"?>
 <p:tagLst xmlns:a="http://schemas.openxmlformats.org/drawingml/2006/main" xmlns:r="http://schemas.openxmlformats.org/officeDocument/2006/relationships" xmlns:p="http://schemas.openxmlformats.org/presentationml/2006/main">
   <p:tag name="KSO_WM_UNIT_HIGHLIGHT" val="0"/>
   <p:tag name="KSO_WM_UNIT_COMPATIBLE" val="0"/>
@@ -28075,20 +28225,7 @@
 </p:tagLst>
 </file>
 
-<file path=ppt/tags/tag25.xml><?xml version="1.0" encoding="utf-8"?>
-<p:tagLst xmlns:a="http://schemas.openxmlformats.org/drawingml/2006/main" xmlns:r="http://schemas.openxmlformats.org/officeDocument/2006/relationships" xmlns:p="http://schemas.openxmlformats.org/presentationml/2006/main">
-  <p:tag name="KSO_WM_UNIT_HIGHLIGHT" val="0"/>
-  <p:tag name="KSO_WM_UNIT_COMPATIBLE" val="0"/>
-  <p:tag name="KSO_WM_UNIT_DIAGRAM_ISNUMVISUAL" val="0"/>
-  <p:tag name="KSO_WM_UNIT_DIAGRAM_ISREFERUNIT" val="0"/>
-  <p:tag name="KSO_WM_UNIT_ID" val="_2**"/>
-  <p:tag name="KSO_WM_UNIT_LAYERLEVEL" val="1"/>
-  <p:tag name="KSO_WM_TAG_VERSION" val="1.0"/>
-  <p:tag name="KSO_WM_BEAUTIFY_FLAG" val="#wm#"/>
-</p:tagLst>
-</file>
-
-<file path=ppt/tags/tag250.xml><?xml version="1.0" encoding="utf-8"?>
+<file path=ppt/tags/tag251.xml><?xml version="1.0" encoding="utf-8"?>
 <p:tagLst xmlns:a="http://schemas.openxmlformats.org/drawingml/2006/main" xmlns:r="http://schemas.openxmlformats.org/officeDocument/2006/relationships" xmlns:p="http://schemas.openxmlformats.org/presentationml/2006/main">
   <p:tag name="KSO_WM_UNIT_HIGHLIGHT" val="0"/>
   <p:tag name="KSO_WM_UNIT_COMPATIBLE" val="0"/>
@@ -28108,7 +28245,7 @@
 </p:tagLst>
 </file>
 
-<file path=ppt/tags/tag251.xml><?xml version="1.0" encoding="utf-8"?>
+<file path=ppt/tags/tag252.xml><?xml version="1.0" encoding="utf-8"?>
 <p:tagLst xmlns:a="http://schemas.openxmlformats.org/drawingml/2006/main" xmlns:r="http://schemas.openxmlformats.org/officeDocument/2006/relationships" xmlns:p="http://schemas.openxmlformats.org/presentationml/2006/main">
   <p:tag name="KSO_WM_TAG_VERSION" val="1.0"/>
   <p:tag name="KSO_WM_SLIDE_ITEM_CNT" val="0"/>
@@ -28126,7 +28263,7 @@
 </p:tagLst>
 </file>
 
-<file path=ppt/tags/tag252.xml><?xml version="1.0" encoding="utf-8"?>
+<file path=ppt/tags/tag253.xml><?xml version="1.0" encoding="utf-8"?>
 <p:tagLst xmlns:a="http://schemas.openxmlformats.org/drawingml/2006/main" xmlns:r="http://schemas.openxmlformats.org/officeDocument/2006/relationships" xmlns:p="http://schemas.openxmlformats.org/presentationml/2006/main">
   <p:tag name="KSO_WM_TAG_VERSION" val="1.0"/>
   <p:tag name="KSO_WM_BEAUTIFY_FLAG" val="#wm#"/>
@@ -28146,7 +28283,7 @@
 </p:tagLst>
 </file>
 
-<file path=ppt/tags/tag253.xml><?xml version="1.0" encoding="utf-8"?>
+<file path=ppt/tags/tag254.xml><?xml version="1.0" encoding="utf-8"?>
 <p:tagLst xmlns:a="http://schemas.openxmlformats.org/drawingml/2006/main" xmlns:r="http://schemas.openxmlformats.org/officeDocument/2006/relationships" xmlns:p="http://schemas.openxmlformats.org/presentationml/2006/main">
   <p:tag name="KSO_WM_SLIDE_ID" val="diagram20200773_1"/>
   <p:tag name="KSO_WM_SLIDE_ITEM_CNT" val="0"/>
@@ -28166,7 +28303,7 @@
 </p:tagLst>
 </file>
 
-<file path=ppt/tags/tag254.xml><?xml version="1.0" encoding="utf-8"?>
+<file path=ppt/tags/tag255.xml><?xml version="1.0" encoding="utf-8"?>
 <p:tagLst xmlns:a="http://schemas.openxmlformats.org/drawingml/2006/main" xmlns:r="http://schemas.openxmlformats.org/officeDocument/2006/relationships" xmlns:p="http://schemas.openxmlformats.org/presentationml/2006/main">
   <p:tag name="KSO_WM_UNIT_HIGHLIGHT" val="0"/>
   <p:tag name="KSO_WM_UNIT_COMPATIBLE" val="0"/>
@@ -28183,7 +28320,7 @@
 </p:tagLst>
 </file>
 
-<file path=ppt/tags/tag255.xml><?xml version="1.0" encoding="utf-8"?>
+<file path=ppt/tags/tag256.xml><?xml version="1.0" encoding="utf-8"?>
 <p:tagLst xmlns:a="http://schemas.openxmlformats.org/drawingml/2006/main" xmlns:r="http://schemas.openxmlformats.org/officeDocument/2006/relationships" xmlns:p="http://schemas.openxmlformats.org/presentationml/2006/main">
   <p:tag name="KSO_WM_UNIT_HIGHLIGHT" val="0"/>
   <p:tag name="KSO_WM_UNIT_COMPATIBLE" val="0"/>
@@ -28204,7 +28341,7 @@
 </p:tagLst>
 </file>
 
-<file path=ppt/tags/tag256.xml><?xml version="1.0" encoding="utf-8"?>
+<file path=ppt/tags/tag257.xml><?xml version="1.0" encoding="utf-8"?>
 <p:tagLst xmlns:a="http://schemas.openxmlformats.org/drawingml/2006/main" xmlns:r="http://schemas.openxmlformats.org/officeDocument/2006/relationships" xmlns:p="http://schemas.openxmlformats.org/presentationml/2006/main">
   <p:tag name="KSO_WM_UNIT_HIGHLIGHT" val="0"/>
   <p:tag name="KSO_WM_UNIT_COMPATIBLE" val="0"/>
@@ -28224,7 +28361,7 @@
 </p:tagLst>
 </file>
 
-<file path=ppt/tags/tag257.xml><?xml version="1.0" encoding="utf-8"?>
+<file path=ppt/tags/tag258.xml><?xml version="1.0" encoding="utf-8"?>
 <p:tagLst xmlns:a="http://schemas.openxmlformats.org/drawingml/2006/main" xmlns:r="http://schemas.openxmlformats.org/officeDocument/2006/relationships" xmlns:p="http://schemas.openxmlformats.org/presentationml/2006/main">
   <p:tag name="KSO_WM_TAG_VERSION" val="1.0"/>
   <p:tag name="KSO_WM_SLIDE_ITEM_CNT" val="0"/>
@@ -28242,7 +28379,7 @@
 </p:tagLst>
 </file>
 
-<file path=ppt/tags/tag258.xml><?xml version="1.0" encoding="utf-8"?>
+<file path=ppt/tags/tag259.xml><?xml version="1.0" encoding="utf-8"?>
 <p:tagLst xmlns:a="http://schemas.openxmlformats.org/drawingml/2006/main" xmlns:r="http://schemas.openxmlformats.org/officeDocument/2006/relationships" xmlns:p="http://schemas.openxmlformats.org/presentationml/2006/main">
   <p:tag name="KSO_WM_TAG_VERSION" val="1.0"/>
   <p:tag name="KSO_WM_BEAUTIFY_FLAG" val="#wm#"/>
@@ -28263,7 +28400,20 @@
 </p:tagLst>
 </file>
 
-<file path=ppt/tags/tag259.xml><?xml version="1.0" encoding="utf-8"?>
+<file path=ppt/tags/tag26.xml><?xml version="1.0" encoding="utf-8"?>
+<p:tagLst xmlns:a="http://schemas.openxmlformats.org/drawingml/2006/main" xmlns:r="http://schemas.openxmlformats.org/officeDocument/2006/relationships" xmlns:p="http://schemas.openxmlformats.org/presentationml/2006/main">
+  <p:tag name="KSO_WM_UNIT_HIGHLIGHT" val="0"/>
+  <p:tag name="KSO_WM_UNIT_COMPATIBLE" val="0"/>
+  <p:tag name="KSO_WM_UNIT_DIAGRAM_ISNUMVISUAL" val="0"/>
+  <p:tag name="KSO_WM_UNIT_DIAGRAM_ISREFERUNIT" val="0"/>
+  <p:tag name="KSO_WM_UNIT_ID" val="_2**"/>
+  <p:tag name="KSO_WM_UNIT_LAYERLEVEL" val="1"/>
+  <p:tag name="KSO_WM_TAG_VERSION" val="1.0"/>
+  <p:tag name="KSO_WM_BEAUTIFY_FLAG" val="#wm#"/>
+</p:tagLst>
+</file>
+
+<file path=ppt/tags/tag260.xml><?xml version="1.0" encoding="utf-8"?>
 <p:tagLst xmlns:a="http://schemas.openxmlformats.org/drawingml/2006/main" xmlns:r="http://schemas.openxmlformats.org/officeDocument/2006/relationships" xmlns:p="http://schemas.openxmlformats.org/presentationml/2006/main">
   <p:tag name="KSO_WM_TAG_VERSION" val="1.0"/>
   <p:tag name="KSO_WM_BEAUTIFY_FLAG" val="#wm#"/>
@@ -28281,19 +28431,6 @@
   <p:tag name="KSO_WM_UNIT_NOCLEAR" val="0"/>
   <p:tag name="KSO_WM_UNIT_DIAGRAM_ISNUMVISUAL" val="0"/>
   <p:tag name="KSO_WM_UNIT_DIAGRAM_ISREFERUNIT" val="0"/>
-</p:tagLst>
-</file>
-
-<file path=ppt/tags/tag26.xml><?xml version="1.0" encoding="utf-8"?>
-<p:tagLst xmlns:a="http://schemas.openxmlformats.org/drawingml/2006/main" xmlns:r="http://schemas.openxmlformats.org/officeDocument/2006/relationships" xmlns:p="http://schemas.openxmlformats.org/presentationml/2006/main">
-  <p:tag name="KSO_WM_UNIT_HIGHLIGHT" val="0"/>
-  <p:tag name="KSO_WM_UNIT_COMPATIBLE" val="0"/>
-  <p:tag name="KSO_WM_UNIT_DIAGRAM_ISNUMVISUAL" val="0"/>
-  <p:tag name="KSO_WM_UNIT_DIAGRAM_ISREFERUNIT" val="0"/>
-  <p:tag name="KSO_WM_UNIT_ID" val="_2**"/>
-  <p:tag name="KSO_WM_UNIT_LAYERLEVEL" val="1"/>
-  <p:tag name="KSO_WM_TAG_VERSION" val="1.0"/>
-  <p:tag name="KSO_WM_BEAUTIFY_FLAG" val="#wm#"/>
 </p:tagLst>
 </file>
 
